--- a/lectures/Mar-31-T-hmm/hmm.pptx
+++ b/lectures/Mar-31-T-hmm/hmm.pptx
@@ -532,7 +532,7 @@
           <a:bodyPr/>
           <a:lstStyle/>
           <a:p>
-            <a:endParaRPr lang="en-US"/>
+            <a:endParaRPr lang="en-US" dirty="0"/>
           </a:p>
         </p:txBody>
       </p:sp>
@@ -27516,7 +27516,7 @@
           <p:nvPr>
             <p:extLst>
               <p:ext uri="{D42A27DB-BD31-4B8C-83A1-F6EECF244321}">
-                <p14:modId xmlns:p14="http://schemas.microsoft.com/office/powerpoint/2010/main" val="4078939023"/>
+                <p14:modId xmlns:p14="http://schemas.microsoft.com/office/powerpoint/2010/main" val="2801695454"/>
               </p:ext>
             </p:extLst>
           </p:nvPr>
@@ -27756,7 +27756,7 @@
                     <a:p>
                       <a:r>
                         <a:rPr lang="en-US" dirty="0"/>
-                        <a:t>…</a:t>
+                        <a:t>0</a:t>
                       </a:r>
                     </a:p>
                   </a:txBody>
